--- a/docs/songs/open the eyes.pptx
+++ b/docs/songs/open the eyes.pptx
@@ -5,10 +5,10 @@
     <p:sldMasterId id="2147483648" r:id="rId1"/>
   </p:sldMasterIdLst>
   <p:sldIdLst>
-    <p:sldId id="518" r:id="rId2"/>
-    <p:sldId id="520" r:id="rId3"/>
-    <p:sldId id="521" r:id="rId4"/>
-    <p:sldId id="522" r:id="rId5"/>
+    <p:sldId id="1215" r:id="rId2"/>
+    <p:sldId id="1216" r:id="rId3"/>
+    <p:sldId id="1217" r:id="rId4"/>
+    <p:sldId id="1218" r:id="rId5"/>
   </p:sldIdLst>
   <p:sldSz cx="9144000" cy="6858000" type="screen4x3"/>
   <p:notesSz cx="6858000" cy="9144000"/>
@@ -308,7 +308,7 @@
             <a:fld id="{26EA1CF3-4A15-4CBF-9A5A-6A56C368BE71}" type="datetimeFigureOut">
               <a:rPr lang="en-GB" smtClean="0"/>
               <a:pPr/>
-              <a:t>03/10/2022</a:t>
+              <a:t>08/07/2024</a:t>
             </a:fld>
             <a:endParaRPr lang="en-GB"/>
           </a:p>
@@ -475,7 +475,7 @@
             <a:fld id="{26EA1CF3-4A15-4CBF-9A5A-6A56C368BE71}" type="datetimeFigureOut">
               <a:rPr lang="en-GB" smtClean="0"/>
               <a:pPr/>
-              <a:t>03/10/2022</a:t>
+              <a:t>08/07/2024</a:t>
             </a:fld>
             <a:endParaRPr lang="en-GB"/>
           </a:p>
@@ -652,7 +652,7 @@
             <a:fld id="{26EA1CF3-4A15-4CBF-9A5A-6A56C368BE71}" type="datetimeFigureOut">
               <a:rPr lang="en-GB" smtClean="0"/>
               <a:pPr/>
-              <a:t>03/10/2022</a:t>
+              <a:t>08/07/2024</a:t>
             </a:fld>
             <a:endParaRPr lang="en-GB"/>
           </a:p>
@@ -819,7 +819,7 @@
             <a:fld id="{26EA1CF3-4A15-4CBF-9A5A-6A56C368BE71}" type="datetimeFigureOut">
               <a:rPr lang="en-GB" smtClean="0"/>
               <a:pPr/>
-              <a:t>03/10/2022</a:t>
+              <a:t>08/07/2024</a:t>
             </a:fld>
             <a:endParaRPr lang="en-GB"/>
           </a:p>
@@ -1062,7 +1062,7 @@
             <a:fld id="{26EA1CF3-4A15-4CBF-9A5A-6A56C368BE71}" type="datetimeFigureOut">
               <a:rPr lang="en-GB" smtClean="0"/>
               <a:pPr/>
-              <a:t>03/10/2022</a:t>
+              <a:t>08/07/2024</a:t>
             </a:fld>
             <a:endParaRPr lang="en-GB"/>
           </a:p>
@@ -1347,7 +1347,7 @@
             <a:fld id="{26EA1CF3-4A15-4CBF-9A5A-6A56C368BE71}" type="datetimeFigureOut">
               <a:rPr lang="en-GB" smtClean="0"/>
               <a:pPr/>
-              <a:t>03/10/2022</a:t>
+              <a:t>08/07/2024</a:t>
             </a:fld>
             <a:endParaRPr lang="en-GB"/>
           </a:p>
@@ -1766,7 +1766,7 @@
             <a:fld id="{26EA1CF3-4A15-4CBF-9A5A-6A56C368BE71}" type="datetimeFigureOut">
               <a:rPr lang="en-GB" smtClean="0"/>
               <a:pPr/>
-              <a:t>03/10/2022</a:t>
+              <a:t>08/07/2024</a:t>
             </a:fld>
             <a:endParaRPr lang="en-GB"/>
           </a:p>
@@ -1881,7 +1881,7 @@
             <a:fld id="{26EA1CF3-4A15-4CBF-9A5A-6A56C368BE71}" type="datetimeFigureOut">
               <a:rPr lang="en-GB" smtClean="0"/>
               <a:pPr/>
-              <a:t>03/10/2022</a:t>
+              <a:t>08/07/2024</a:t>
             </a:fld>
             <a:endParaRPr lang="en-GB"/>
           </a:p>
@@ -1973,7 +1973,7 @@
             <a:fld id="{26EA1CF3-4A15-4CBF-9A5A-6A56C368BE71}" type="datetimeFigureOut">
               <a:rPr lang="en-GB" smtClean="0"/>
               <a:pPr/>
-              <a:t>03/10/2022</a:t>
+              <a:t>08/07/2024</a:t>
             </a:fld>
             <a:endParaRPr lang="en-GB"/>
           </a:p>
@@ -2247,7 +2247,7 @@
             <a:fld id="{26EA1CF3-4A15-4CBF-9A5A-6A56C368BE71}" type="datetimeFigureOut">
               <a:rPr lang="en-GB" smtClean="0"/>
               <a:pPr/>
-              <a:t>03/10/2022</a:t>
+              <a:t>08/07/2024</a:t>
             </a:fld>
             <a:endParaRPr lang="en-GB"/>
           </a:p>
@@ -2497,7 +2497,7 @@
             <a:fld id="{26EA1CF3-4A15-4CBF-9A5A-6A56C368BE71}" type="datetimeFigureOut">
               <a:rPr lang="en-GB" smtClean="0"/>
               <a:pPr/>
-              <a:t>03/10/2022</a:t>
+              <a:t>08/07/2024</a:t>
             </a:fld>
             <a:endParaRPr lang="en-GB"/>
           </a:p>
@@ -2710,7 +2710,7 @@
             <a:fld id="{26EA1CF3-4A15-4CBF-9A5A-6A56C368BE71}" type="datetimeFigureOut">
               <a:rPr lang="en-GB" smtClean="0"/>
               <a:pPr/>
-              <a:t>03/10/2022</a:t>
+              <a:t>08/07/2024</a:t>
             </a:fld>
             <a:endParaRPr lang="en-GB"/>
           </a:p>
@@ -3226,7 +3226,7 @@
     </p:spTree>
     <p:extLst>
       <p:ext uri="{BB962C8B-B14F-4D97-AF65-F5344CB8AC3E}">
-        <p14:creationId xmlns:p14="http://schemas.microsoft.com/office/powerpoint/2010/main" val="2940382954"/>
+        <p14:creationId xmlns:p14="http://schemas.microsoft.com/office/powerpoint/2010/main" val="2240796434"/>
       </p:ext>
     </p:extLst>
   </p:cSld>
@@ -3265,7 +3265,7 @@
         </p:nvSpPr>
         <p:spPr>
           <a:xfrm>
-            <a:off x="323528" y="188640"/>
+            <a:off x="251520" y="692696"/>
             <a:ext cx="8640960" cy="6480720"/>
           </a:xfrm>
         </p:spPr>
@@ -3352,7 +3352,7 @@
     </p:spTree>
     <p:extLst>
       <p:ext uri="{BB962C8B-B14F-4D97-AF65-F5344CB8AC3E}">
-        <p14:creationId xmlns:p14="http://schemas.microsoft.com/office/powerpoint/2010/main" val="2175635830"/>
+        <p14:creationId xmlns:p14="http://schemas.microsoft.com/office/powerpoint/2010/main" val="4181510961"/>
       </p:ext>
     </p:extLst>
   </p:cSld>
@@ -3391,7 +3391,7 @@
         </p:nvSpPr>
         <p:spPr>
           <a:xfrm>
-            <a:off x="323528" y="188640"/>
+            <a:off x="323528" y="692696"/>
             <a:ext cx="8640960" cy="6480720"/>
           </a:xfrm>
         </p:spPr>
@@ -3546,7 +3546,7 @@
         </p:nvSpPr>
         <p:spPr>
           <a:xfrm>
-            <a:off x="323528" y="188640"/>
+            <a:off x="251520" y="764704"/>
             <a:ext cx="8640960" cy="6480720"/>
           </a:xfrm>
         </p:spPr>
